--- a/minmove/minmove-intro-2018.pptx
+++ b/minmove/minmove-intro-2018.pptx
@@ -9683,15 +9683,7 @@
                   <a:srgbClr val="00B050"/>
                 </a:solidFill>
               </a:rPr>
-              <a:t>Min-Move </a:t>
-            </a:r>
-            <a:r>
-              <a:rPr lang="en-US" sz="4800" dirty="0" smtClean="0">
-                <a:solidFill>
-                  <a:srgbClr val="00B050"/>
-                </a:solidFill>
-              </a:rPr>
-              <a:t>2018</a:t>
+              <a:t>Min-Move 2018</a:t>
             </a:r>
             <a:r>
               <a:rPr lang="en-US" sz="4800" dirty="0" smtClean="0"/>
@@ -9709,15 +9701,7 @@
             </a:br>
             <a:r>
               <a:rPr lang="en-US" sz="4800" dirty="0" smtClean="0"/>
-              <a:t>2nd</a:t>
-            </a:r>
-            <a:r>
-              <a:rPr lang="en-US" sz="4800" dirty="0" smtClean="0"/>
-              <a:t> </a:t>
-            </a:r>
-            <a:r>
-              <a:rPr lang="en-US" sz="4800" dirty="0" smtClean="0"/>
-              <a:t>Workshop on </a:t>
+              <a:t>2nd Workshop on </a:t>
             </a:r>
             <a:br>
               <a:rPr lang="en-US" sz="4800" dirty="0" smtClean="0"/>
@@ -9846,11 +9830,7 @@
             <a:pPr lvl="1"/>
             <a:r>
               <a:rPr lang="en-US" sz="2400" i="1" dirty="0" smtClean="0"/>
-              <a:t>Assistant </a:t>
-            </a:r>
-            <a:r>
-              <a:rPr lang="en-US" sz="2400" i="1" dirty="0" smtClean="0"/>
-              <a:t>Professor</a:t>
+              <a:t>Assistant Professor</a:t>
             </a:r>
             <a:r>
               <a:rPr lang="en-US" sz="2400" i="1" dirty="0"/>
@@ -9860,21 +9840,12 @@
               <a:rPr lang="en-US" sz="2400" i="1" dirty="0" smtClean="0"/>
               <a:t>(William &amp; Mary)</a:t>
             </a:r>
-            <a:endParaRPr lang="en-US" sz="2400" i="1" dirty="0" smtClean="0"/>
           </a:p>
           <a:p>
             <a:pPr lvl="1"/>
             <a:r>
               <a:rPr lang="en-US" sz="2400" dirty="0" smtClean="0"/>
-              <a:t>Computer </a:t>
-            </a:r>
-            <a:r>
-              <a:rPr lang="en-US" sz="2400" dirty="0" smtClean="0"/>
-              <a:t>Architecture, </a:t>
-            </a:r>
-            <a:r>
-              <a:rPr lang="en-US" sz="2400" dirty="0" smtClean="0"/>
-              <a:t>GPUs</a:t>
+              <a:t>Computer Architecture, GPUs</a:t>
             </a:r>
             <a:r>
               <a:rPr lang="en-US" sz="2400" dirty="0"/>
@@ -9912,35 +9883,29 @@
             <a:pPr lvl="1"/>
             <a:r>
               <a:rPr lang="en-US" altLang="zh-CN" sz="2400" dirty="0" smtClean="0"/>
-              <a:t> Also local arrangements co-chair for            ASPLOS -- </a:t>
-            </a:r>
-            <a:r>
-              <a:rPr lang="en-US" altLang="zh-CN" sz="2400" dirty="0" smtClean="0"/>
-              <a:t>Happy to help </a:t>
-            </a:r>
-            <a:r>
-              <a:rPr lang="en-US" altLang="zh-CN" sz="2400" dirty="0" smtClean="0">
-                <a:sym typeface="Wingdings"/>
-              </a:rPr>
-              <a:t></a:t>
+              <a:t> Also local arrangements co-chair for            </a:t>
+            </a:r>
+            <a:r>
+              <a:rPr lang="en-US" altLang="zh-CN" sz="2400" smtClean="0"/>
+              <a:t>ASPLOS </a:t>
             </a:r>
             <a:endParaRPr lang="en-US" altLang="zh-CN" sz="2400" b="1" dirty="0" smtClean="0"/>
           </a:p>
           <a:p>
             <a:r>
               <a:rPr lang="en-US" altLang="zh-CN" b="1" dirty="0" smtClean="0"/>
-              <a:t> </a:t>
-            </a:r>
-            <a:r>
-              <a:rPr lang="en-US" altLang="zh-CN" b="1" dirty="0" smtClean="0"/>
-              <a:t>EJ Kim</a:t>
+              <a:t> EJ Kim</a:t>
             </a:r>
           </a:p>
           <a:p>
             <a:pPr lvl="1"/>
             <a:r>
               <a:rPr lang="en-US" sz="2400" i="1" dirty="0" smtClean="0"/>
-              <a:t>Associate Professor</a:t>
+              <a:t>Associate </a:t>
+            </a:r>
+            <a:r>
+              <a:rPr lang="en-US" sz="2400" i="1" dirty="0" smtClean="0"/>
+              <a:t>Professor</a:t>
             </a:r>
             <a:r>
               <a:rPr lang="en-US" sz="2400" i="1" dirty="0"/>
@@ -10722,15 +10687,7 @@
             </a:r>
             <a:r>
               <a:rPr lang="en-US" sz="2400" dirty="0" smtClean="0"/>
-              <a:t> </a:t>
-            </a:r>
-            <a:r>
-              <a:rPr lang="en-US" sz="2400" dirty="0" smtClean="0"/>
-              <a:t>(UT </a:t>
-            </a:r>
-            <a:r>
-              <a:rPr lang="en-US" sz="2400" dirty="0" smtClean="0"/>
-              <a:t>Austin)</a:t>
+              <a:t> (UT Austin)</a:t>
             </a:r>
           </a:p>
           <a:p>
@@ -10770,23 +10727,11 @@
           <a:p>
             <a:r>
               <a:rPr lang="en-US" sz="2800" dirty="0" smtClean="0"/>
-              <a:t>Peer-Reviewed </a:t>
-            </a:r>
-            <a:r>
-              <a:rPr lang="en-US" sz="2800" dirty="0" smtClean="0"/>
-              <a:t>Workshop </a:t>
-            </a:r>
-            <a:r>
-              <a:rPr lang="en-US" sz="2800" dirty="0" smtClean="0"/>
-              <a:t>Paper </a:t>
+              <a:t>Peer-Reviewed Workshop Paper </a:t>
             </a:r>
             <a:r>
               <a:rPr lang="en-US" sz="2800" i="1" dirty="0" smtClean="0"/>
-              <a:t>(received </a:t>
-            </a:r>
-            <a:r>
-              <a:rPr lang="en-US" sz="2800" i="1" dirty="0" smtClean="0"/>
-              <a:t>three reviews)</a:t>
+              <a:t>(received three reviews)</a:t>
             </a:r>
             <a:endParaRPr lang="en-US" i="1" dirty="0" smtClean="0"/>
           </a:p>

--- a/minmove/minmove-intro-2018.pptx
+++ b/minmove/minmove-intro-2018.pptx
@@ -9901,11 +9901,7 @@
             <a:pPr lvl="1"/>
             <a:r>
               <a:rPr lang="en-US" sz="2400" i="1" dirty="0" smtClean="0"/>
-              <a:t>Associate </a:t>
-            </a:r>
-            <a:r>
-              <a:rPr lang="en-US" sz="2400" i="1" dirty="0" smtClean="0"/>
-              <a:t>Professor</a:t>
+              <a:t>Associate Professor</a:t>
             </a:r>
             <a:r>
               <a:rPr lang="en-US" sz="2400" i="1" dirty="0"/>
@@ -10686,9 +10682,14 @@
               <a:t>Balasubramonian</a:t>
             </a:r>
             <a:r>
-              <a:rPr lang="en-US" sz="2400" dirty="0" smtClean="0"/>
-              <a:t> (UT Austin)</a:t>
-            </a:r>
+              <a:rPr lang="en-US" sz="2400" smtClean="0"/>
+              <a:t> </a:t>
+            </a:r>
+            <a:r>
+              <a:rPr lang="en-US" sz="2400" smtClean="0"/>
+              <a:t>(Utah)</a:t>
+            </a:r>
+            <a:endParaRPr lang="en-US" sz="2400" dirty="0" smtClean="0"/>
           </a:p>
           <a:p>
             <a:pPr lvl="1"/>
